--- a/Documents/Qual/Qual Exam.pptx
+++ b/Documents/Qual/Qual Exam.pptx
@@ -5,7 +5,7 @@
     <p:sldMasterId id="2147483660" r:id="rId1"/>
   </p:sldMasterIdLst>
   <p:notesMasterIdLst>
-    <p:notesMasterId r:id="rId55"/>
+    <p:notesMasterId r:id="rId56"/>
   </p:notesMasterIdLst>
   <p:sldIdLst>
     <p:sldId id="291" r:id="rId2"/>
@@ -22,17 +22,17 @@
     <p:sldId id="286" r:id="rId13"/>
     <p:sldId id="297" r:id="rId14"/>
     <p:sldId id="323" r:id="rId15"/>
-    <p:sldId id="280" r:id="rId16"/>
-    <p:sldId id="313" r:id="rId17"/>
-    <p:sldId id="289" r:id="rId18"/>
-    <p:sldId id="265" r:id="rId19"/>
-    <p:sldId id="266" r:id="rId20"/>
-    <p:sldId id="267" r:id="rId21"/>
-    <p:sldId id="268" r:id="rId22"/>
-    <p:sldId id="269" r:id="rId23"/>
-    <p:sldId id="270" r:id="rId24"/>
-    <p:sldId id="271" r:id="rId25"/>
-    <p:sldId id="272" r:id="rId26"/>
+    <p:sldId id="331" r:id="rId16"/>
+    <p:sldId id="280" r:id="rId17"/>
+    <p:sldId id="313" r:id="rId18"/>
+    <p:sldId id="289" r:id="rId19"/>
+    <p:sldId id="265" r:id="rId20"/>
+    <p:sldId id="266" r:id="rId21"/>
+    <p:sldId id="267" r:id="rId22"/>
+    <p:sldId id="268" r:id="rId23"/>
+    <p:sldId id="269" r:id="rId24"/>
+    <p:sldId id="270" r:id="rId25"/>
+    <p:sldId id="271" r:id="rId26"/>
     <p:sldId id="273" r:id="rId27"/>
     <p:sldId id="274" r:id="rId28"/>
     <p:sldId id="281" r:id="rId29"/>
@@ -60,7 +60,8 @@
     <p:sldId id="324" r:id="rId51"/>
     <p:sldId id="325" r:id="rId52"/>
     <p:sldId id="328" r:id="rId53"/>
-    <p:sldId id="318" r:id="rId54"/>
+    <p:sldId id="330" r:id="rId54"/>
+    <p:sldId id="318" r:id="rId55"/>
   </p:sldIdLst>
   <p:sldSz cx="9144000" cy="6858000" type="screen4x3"/>
   <p:notesSz cx="6858000" cy="9144000"/>
@@ -190,6 +191,7 @@
         </p14:section>
         <p14:section name="Entry Trajectory Design" id="{9850D8F8-5E1C-475F-9ED8-75DE77A0AFC2}">
           <p14:sldIdLst>
+            <p14:sldId id="331"/>
             <p14:sldId id="280"/>
             <p14:sldId id="313"/>
             <p14:sldId id="289"/>
@@ -204,7 +206,6 @@
             <p14:sldId id="269"/>
             <p14:sldId id="270"/>
             <p14:sldId id="271"/>
-            <p14:sldId id="272"/>
             <p14:sldId id="273"/>
             <p14:sldId id="274"/>
           </p14:sldIdLst>
@@ -240,6 +241,7 @@
             <p14:sldId id="324"/>
             <p14:sldId id="325"/>
             <p14:sldId id="328"/>
+            <p14:sldId id="330"/>
             <p14:sldId id="318"/>
           </p14:sldIdLst>
         </p14:section>
@@ -279,20 +281,6 @@
 </file>
 
 <file path=ppt/comments/comment10.xml><?xml version="1.0" encoding="utf-8"?>
-<p:cmLst xmlns:a="http://schemas.openxmlformats.org/drawingml/2006/main" xmlns:r="http://schemas.openxmlformats.org/officeDocument/2006/relationships" xmlns:p="http://schemas.openxmlformats.org/presentationml/2006/main">
-  <p:cm authorId="1" dt="2018-12-03T16:17:26.492" idx="14">
-    <p:pos x="10" y="10"/>
-    <p:text>if you have results that would be good</p:text>
-    <p:extLst>
-      <p:ext uri="{C676402C-5697-4E1C-873F-D02D1690AC5C}">
-        <p15:threadingInfo xmlns:p15="http://schemas.microsoft.com/office/powerpoint/2012/main" timeZoneBias="480"/>
-      </p:ext>
-    </p:extLst>
-  </p:cm>
-</p:cmLst>
-</file>
-
-<file path=ppt/comments/comment11.xml><?xml version="1.0" encoding="utf-8"?>
 <p:cmLst xmlns:a="http://schemas.openxmlformats.org/drawingml/2006/main" xmlns:r="http://schemas.openxmlformats.org/officeDocument/2006/relationships" xmlns:p="http://schemas.openxmlformats.org/presentationml/2006/main">
   <p:cm authorId="1" dt="2018-12-03T16:18:38.989" idx="15">
     <p:pos x="4455" y="707"/>
@@ -856,7 +844,19 @@
           <a:bodyPr/>
           <a:lstStyle/>
           <a:p>
-            <a:endParaRPr lang="en-US"/>
+            <a:r>
+              <a:rPr lang="en-US" sz="1200" b="0" i="0" kern="1200" dirty="0" smtClean="0">
+                <a:solidFill>
+                  <a:schemeClr val="tx1"/>
+                </a:solidFill>
+                <a:effectLst/>
+                <a:latin typeface="+mn-lt"/>
+                <a:ea typeface="+mn-ea"/>
+                <a:cs typeface="+mn-cs"/>
+              </a:rPr>
+              <a:t>The presentation goal should be to convey what you have done and plan to do and why it is important and novel.</a:t>
+            </a:r>
+            <a:endParaRPr lang="en-US" dirty="0"/>
           </a:p>
         </p:txBody>
       </p:sp>
@@ -969,7 +969,7 @@
           <a:p>
             <a:fld id="{4BAF2748-3477-4185-BA7E-C3C95536F5B5}" type="slidenum">
               <a:rPr lang="en-US" smtClean="0"/>
-              <a:t>21</a:t>
+              <a:t>22</a:t>
             </a:fld>
             <a:endParaRPr lang="en-US"/>
           </a:p>
@@ -1053,7 +1053,7 @@
           <a:p>
             <a:fld id="{4BAF2748-3477-4185-BA7E-C3C95536F5B5}" type="slidenum">
               <a:rPr lang="en-US" smtClean="0"/>
-              <a:t>22</a:t>
+              <a:t>23</a:t>
             </a:fld>
             <a:endParaRPr lang="en-US"/>
           </a:p>
@@ -1151,7 +1151,7 @@
           <a:p>
             <a:fld id="{4BAF2748-3477-4185-BA7E-C3C95536F5B5}" type="slidenum">
               <a:rPr lang="en-US" smtClean="0"/>
-              <a:t>23</a:t>
+              <a:t>24</a:t>
             </a:fld>
             <a:endParaRPr lang="en-US"/>
           </a:p>
@@ -1257,7 +1257,7 @@
           <a:p>
             <a:fld id="{4BAF2748-3477-4185-BA7E-C3C95536F5B5}" type="slidenum">
               <a:rPr lang="en-US" smtClean="0"/>
-              <a:t>24</a:t>
+              <a:t>25</a:t>
             </a:fld>
             <a:endParaRPr lang="en-US"/>
           </a:p>
@@ -2539,11 +2539,7 @@
           <a:p>
             <a:r>
               <a:rPr lang="en-US" baseline="0" dirty="0" smtClean="0"/>
-              <a:t>Apollo is based on neighboring </a:t>
-            </a:r>
-            <a:r>
-              <a:rPr lang="en-US" baseline="0" smtClean="0"/>
-              <a:t>optimal control </a:t>
+              <a:t>Apollo is based on neighboring optimal control </a:t>
             </a:r>
             <a:endParaRPr lang="en-US" dirty="0"/>
           </a:p>
@@ -2985,7 +2981,7 @@
           <a:p>
             <a:fld id="{97591DF4-FFBB-4E8C-8E87-255A2EADF72A}" type="slidenum">
               <a:rPr lang="en-US" smtClean="0"/>
-              <a:t>15</a:t>
+              <a:t>16</a:t>
             </a:fld>
             <a:endParaRPr lang="en-US"/>
           </a:p>
@@ -3107,7 +3103,7 @@
           <a:p>
             <a:fld id="{4BAF2748-3477-4185-BA7E-C3C95536F5B5}" type="slidenum">
               <a:rPr lang="en-US" smtClean="0"/>
-              <a:t>18</a:t>
+              <a:t>19</a:t>
             </a:fld>
             <a:endParaRPr lang="en-US"/>
           </a:p>
@@ -3222,7 +3218,7 @@
           <a:p>
             <a:fld id="{4BAF2748-3477-4185-BA7E-C3C95536F5B5}" type="slidenum">
               <a:rPr lang="en-US" smtClean="0"/>
-              <a:t>19</a:t>
+              <a:t>20</a:t>
             </a:fld>
             <a:endParaRPr lang="en-US"/>
           </a:p>
@@ -6849,7 +6845,15 @@
           <a:p>
             <a:r>
               <a:rPr lang="en-US" dirty="0"/>
-              <a:t>Existing Applications to EDL</a:t>
+              <a:t>Existing Applications </a:t>
+            </a:r>
+            <a:r>
+              <a:rPr lang="en-US" dirty="0" smtClean="0"/>
+              <a:t>of Stochastic Control to </a:t>
+            </a:r>
+            <a:r>
+              <a:rPr lang="en-US" dirty="0"/>
+              <a:t>EDL</a:t>
             </a:r>
           </a:p>
         </p:txBody>
@@ -6864,7 +6868,12 @@
             <p:ph idx="1"/>
           </p:nvPr>
         </p:nvSpPr>
-        <p:spPr/>
+        <p:spPr>
+          <a:xfrm>
+            <a:off x="628650" y="2377439"/>
+            <a:ext cx="7886700" cy="3799523"/>
+          </a:xfrm>
+        </p:spPr>
         <p:txBody>
           <a:bodyPr/>
           <a:lstStyle/>
@@ -6905,7 +6914,15 @@
             <a:pPr lvl="1"/>
             <a:r>
               <a:rPr lang="en-US" sz="2000" dirty="0"/>
-              <a:t>Control saturation was not accounted for, which overestimates the effect the controller has on reducing the true state covariance </a:t>
+              <a:t>Control saturation was not accounted for, which overestimates the effect the controller has on reducing the </a:t>
+            </a:r>
+            <a:r>
+              <a:rPr lang="en-US" sz="2000" dirty="0" smtClean="0"/>
+              <a:t>state </a:t>
+            </a:r>
+            <a:r>
+              <a:rPr lang="en-US" sz="2000" dirty="0"/>
+              <a:t>covariance </a:t>
             </a:r>
           </a:p>
         </p:txBody>
@@ -7138,8 +7155,8 @@
         </p:nvSpPr>
         <p:spPr>
           <a:xfrm>
-            <a:off x="628650" y="1079156"/>
-            <a:ext cx="7886700" cy="1248407"/>
+            <a:off x="2686050" y="2725242"/>
+            <a:ext cx="3998214" cy="2239950"/>
           </a:xfrm>
         </p:spPr>
         <p:txBody>
@@ -7148,41 +7165,13 @@
           <a:p>
             <a:r>
               <a:rPr lang="en-US" dirty="0"/>
-              <a:t>Switch Time Optimization for Rapid Entry Trajectory Design</a:t>
-            </a:r>
-          </a:p>
-        </p:txBody>
-      </p:sp>
-      <p:sp>
-        <p:nvSpPr>
-          <p:cNvPr id="3" name="Content Placeholder 2"/>
-          <p:cNvSpPr>
-            <a:spLocks noGrp="1"/>
-          </p:cNvSpPr>
-          <p:nvPr>
-            <p:ph idx="1"/>
-          </p:nvPr>
-        </p:nvSpPr>
-        <p:spPr>
-          <a:xfrm>
-            <a:off x="628650" y="2576944"/>
-            <a:ext cx="7886700" cy="4281055"/>
-          </a:xfrm>
-        </p:spPr>
-        <p:txBody>
-          <a:bodyPr/>
-          <a:lstStyle/>
-          <a:p>
-            <a:r>
-              <a:rPr lang="en-US" sz="2400" dirty="0"/>
-              <a:t>Simple parameterization of bank angle profile for robust, near-optimal altitude performance intended for parachute architectures </a:t>
-            </a:r>
-          </a:p>
-          <a:p>
-            <a:r>
-              <a:rPr lang="en-US" sz="2400" dirty="0"/>
-              <a:t>Can demonstrate that this parameterization also allows for near-optimal minimum velocity performance, suitable for SRP applications</a:t>
-            </a:r>
+              <a:t>Guidance </a:t>
+            </a:r>
+            <a:r>
+              <a:rPr lang="en-US" dirty="0" smtClean="0"/>
+              <a:t>Approach for the Entry Phase</a:t>
+            </a:r>
+            <a:endParaRPr lang="en-US" dirty="0"/>
           </a:p>
         </p:txBody>
       </p:sp>
@@ -7201,7 +7190,7 @@
           <a:bodyPr/>
           <a:lstStyle/>
           <a:p>
-            <a:fld id="{C5C4825F-DB45-4B89-B3FE-04D1625C0B44}" type="datetime1">
+            <a:fld id="{DACEE8DD-B545-4020-BC5A-D34F01A5A26F}" type="datetime1">
               <a:rPr lang="en-US" smtClean="0"/>
               <a:t>12/5/2018</a:t>
             </a:fld>
@@ -7212,7 +7201,7 @@
     </p:spTree>
     <p:extLst>
       <p:ext uri="{BB962C8B-B14F-4D97-AF65-F5344CB8AC3E}">
-        <p14:creationId xmlns:p14="http://schemas.microsoft.com/office/powerpoint/2010/main" val="949813023"/>
+        <p14:creationId xmlns:p14="http://schemas.microsoft.com/office/powerpoint/2010/main" val="4260063320"/>
       </p:ext>
     </p:extLst>
   </p:cSld>
@@ -7249,62 +7238,72 @@
             <p:ph type="title"/>
           </p:nvPr>
         </p:nvSpPr>
+        <p:spPr>
+          <a:xfrm>
+            <a:off x="628650" y="1079156"/>
+            <a:ext cx="7886700" cy="1248407"/>
+          </a:xfrm>
+        </p:spPr>
+        <p:txBody>
+          <a:bodyPr/>
+          <a:lstStyle/>
+          <a:p>
+            <a:r>
+              <a:rPr lang="en-US" dirty="0"/>
+              <a:t>Switch Time Optimization for Rapid Entry Trajectory Design</a:t>
+            </a:r>
+          </a:p>
+        </p:txBody>
+      </p:sp>
+      <p:sp>
+        <p:nvSpPr>
+          <p:cNvPr id="3" name="Content Placeholder 2"/>
+          <p:cNvSpPr>
+            <a:spLocks noGrp="1"/>
+          </p:cNvSpPr>
+          <p:nvPr>
+            <p:ph idx="1"/>
+          </p:nvPr>
+        </p:nvSpPr>
+        <p:spPr>
+          <a:xfrm>
+            <a:off x="628650" y="2576944"/>
+            <a:ext cx="7886700" cy="4281055"/>
+          </a:xfrm>
+        </p:spPr>
+        <p:txBody>
+          <a:bodyPr/>
+          <a:lstStyle/>
+          <a:p>
+            <a:r>
+              <a:rPr lang="en-US" sz="2400" dirty="0"/>
+              <a:t>Simple parameterization of bank angle profile for robust, near-optimal altitude performance intended for parachute architectures </a:t>
+            </a:r>
+          </a:p>
+          <a:p>
+            <a:r>
+              <a:rPr lang="en-US" sz="2400" dirty="0"/>
+              <a:t>Can demonstrate that this parameterization also allows for near-optimal minimum velocity performance, suitable for SRP applications</a:t>
+            </a:r>
+          </a:p>
+        </p:txBody>
+      </p:sp>
+      <p:sp>
+        <p:nvSpPr>
+          <p:cNvPr id="4" name="Date Placeholder 3"/>
+          <p:cNvSpPr>
+            <a:spLocks noGrp="1"/>
+          </p:cNvSpPr>
+          <p:nvPr>
+            <p:ph type="dt" sz="half" idx="10"/>
+          </p:nvPr>
+        </p:nvSpPr>
         <p:spPr/>
         <p:txBody>
           <a:bodyPr/>
           <a:lstStyle/>
           <a:p>
-            <a:r>
-              <a:rPr lang="en-US" dirty="0"/>
-              <a:t>Low-order Parameterization </a:t>
-            </a:r>
-          </a:p>
-        </p:txBody>
-      </p:sp>
-      <p:pic>
-        <p:nvPicPr>
-          <p:cNvPr id="5" name="Content Placeholder 4"/>
-          <p:cNvPicPr>
-            <a:picLocks noGrp="1" noChangeAspect="1"/>
-          </p:cNvPicPr>
-          <p:nvPr>
-            <p:ph idx="1"/>
-          </p:nvPr>
-        </p:nvPicPr>
-        <p:blipFill rotWithShape="1">
-          <a:blip r:embed="rId2">
-            <a:extLst>
-              <a:ext uri="{28A0092B-C50C-407E-A947-70E740481C1C}">
-                <a14:useLocalDpi xmlns:a14="http://schemas.microsoft.com/office/drawing/2010/main" val="0"/>
-              </a:ext>
-            </a:extLst>
-          </a:blip>
-          <a:srcRect l="7992" t="9114" r="8356" b="5157"/>
-          <a:stretch/>
-        </p:blipFill>
-        <p:spPr>
-          <a:xfrm>
-            <a:off x="4125191" y="2244436"/>
-            <a:ext cx="4894118" cy="3730338"/>
-          </a:xfrm>
-        </p:spPr>
-      </p:pic>
-      <p:sp>
-        <p:nvSpPr>
-          <p:cNvPr id="4" name="Date Placeholder 3"/>
-          <p:cNvSpPr>
-            <a:spLocks noGrp="1"/>
-          </p:cNvSpPr>
-          <p:nvPr>
-            <p:ph type="dt" sz="half" idx="10"/>
-          </p:nvPr>
-        </p:nvSpPr>
-        <p:spPr/>
-        <p:txBody>
-          <a:bodyPr/>
-          <a:lstStyle/>
-          <a:p>
-            <a:fld id="{DACEE8DD-B545-4020-BC5A-D34F01A5A26F}" type="datetime1">
+            <a:fld id="{C5C4825F-DB45-4B89-B3FE-04D1625C0B44}" type="datetime1">
               <a:rPr lang="en-US" smtClean="0"/>
               <a:t>12/5/2018</a:t>
             </a:fld>
@@ -7312,152 +7311,10 @@
           </a:p>
         </p:txBody>
       </p:sp>
-      <p:pic>
-        <p:nvPicPr>
-          <p:cNvPr id="6" name="Picture 5"/>
-          <p:cNvPicPr>
-            <a:picLocks noChangeAspect="1"/>
-          </p:cNvPicPr>
-          <p:nvPr/>
-        </p:nvPicPr>
-        <p:blipFill>
-          <a:blip r:embed="rId3">
-            <a:extLst>
-              <a:ext uri="{28A0092B-C50C-407E-A947-70E740481C1C}">
-                <a14:useLocalDpi xmlns:a14="http://schemas.microsoft.com/office/drawing/2010/main" val="0"/>
-              </a:ext>
-            </a:extLst>
-          </a:blip>
-          <a:stretch>
-            <a:fillRect/>
-          </a:stretch>
-        </p:blipFill>
-        <p:spPr>
-          <a:xfrm>
-            <a:off x="322118" y="2175610"/>
-            <a:ext cx="2684663" cy="846701"/>
-          </a:xfrm>
-          <a:prstGeom prst="rect">
-            <a:avLst/>
-          </a:prstGeom>
-        </p:spPr>
-      </p:pic>
-      <p:sp>
-        <p:nvSpPr>
-          <p:cNvPr id="7" name="Right Arrow 6"/>
-          <p:cNvSpPr/>
-          <p:nvPr/>
-        </p:nvSpPr>
-        <p:spPr>
-          <a:xfrm>
-            <a:off x="3190009" y="2516315"/>
-            <a:ext cx="831273" cy="207818"/>
-          </a:xfrm>
-          <a:prstGeom prst="rightArrow">
-            <a:avLst/>
-          </a:prstGeom>
-        </p:spPr>
-        <p:style>
-          <a:lnRef idx="2">
-            <a:schemeClr val="accent1">
-              <a:shade val="50000"/>
-            </a:schemeClr>
-          </a:lnRef>
-          <a:fillRef idx="1">
-            <a:schemeClr val="accent1"/>
-          </a:fillRef>
-          <a:effectRef idx="0">
-            <a:schemeClr val="accent1"/>
-          </a:effectRef>
-          <a:fontRef idx="minor">
-            <a:schemeClr val="lt1"/>
-          </a:fontRef>
-        </p:style>
-        <p:txBody>
-          <a:bodyPr rtlCol="0" anchor="ctr"/>
-          <a:lstStyle/>
-          <a:p>
-            <a:pPr algn="ctr"/>
-            <a:endParaRPr lang="en-US"/>
-          </a:p>
-        </p:txBody>
-      </p:sp>
-      <p:sp>
-        <p:nvSpPr>
-          <p:cNvPr id="3" name="TextBox 2"/>
-          <p:cNvSpPr txBox="1"/>
-          <p:nvPr/>
-        </p:nvSpPr>
-        <p:spPr>
-          <a:xfrm>
-            <a:off x="118523" y="3274836"/>
-            <a:ext cx="3902759" cy="2585323"/>
-          </a:xfrm>
-          <a:prstGeom prst="rect">
-            <a:avLst/>
-          </a:prstGeom>
-          <a:noFill/>
-        </p:spPr>
-        <p:txBody>
-          <a:bodyPr wrap="square" rtlCol="0">
-            <a:spAutoFit/>
-          </a:bodyPr>
-          <a:lstStyle/>
-          <a:p>
-            <a:pPr marL="285750" indent="-285750">
-              <a:buFont typeface="Arial" panose="020B0604020202020204" pitchFamily="34" charset="0"/>
-              <a:buChar char="•"/>
-            </a:pPr>
-            <a:r>
-              <a:rPr lang="en-US" dirty="0"/>
-              <a:t>If-then logic used is discontinuous; </a:t>
-            </a:r>
-            <a:r>
-              <a:rPr lang="en-US" dirty="0" err="1"/>
-              <a:t>Nelder</a:t>
-            </a:r>
-            <a:r>
-              <a:rPr lang="en-US" dirty="0"/>
-              <a:t>-Mead simplex method has been used for optimization</a:t>
-            </a:r>
-          </a:p>
-          <a:p>
-            <a:pPr marL="285750" indent="-285750">
-              <a:buFont typeface="Arial" panose="020B0604020202020204" pitchFamily="34" charset="0"/>
-              <a:buChar char="•"/>
-            </a:pPr>
-            <a:r>
-              <a:rPr lang="en-US" dirty="0"/>
-              <a:t>Results from hybrid OC literature suggest a gradient based solution is possible and preferable</a:t>
-            </a:r>
-          </a:p>
-          <a:p>
-            <a:pPr marL="742950" lvl="1" indent="-285750">
-              <a:buFont typeface="Arial" panose="020B0604020202020204" pitchFamily="34" charset="0"/>
-              <a:buChar char="•"/>
-            </a:pPr>
-            <a:r>
-              <a:rPr lang="en-US" dirty="0"/>
-              <a:t>Can be computed via forward or </a:t>
-            </a:r>
-            <a:r>
-              <a:rPr lang="en-US" dirty="0" err="1"/>
-              <a:t>adjoint</a:t>
-            </a:r>
-            <a:r>
-              <a:rPr lang="en-US" dirty="0"/>
-              <a:t> sensitivities  </a:t>
-            </a:r>
-          </a:p>
-          <a:p>
-            <a:endParaRPr lang="en-US" dirty="0"/>
-          </a:p>
-        </p:txBody>
-      </p:sp>
     </p:spTree>
     <p:extLst>
       <p:ext uri="{BB962C8B-B14F-4D97-AF65-F5344CB8AC3E}">
-        <p14:creationId xmlns:p14="http://schemas.microsoft.com/office/powerpoint/2010/main" val="1692557665"/>
+        <p14:creationId xmlns:p14="http://schemas.microsoft.com/office/powerpoint/2010/main" val="949813023"/>
       </p:ext>
     </p:extLst>
   </p:cSld>
@@ -7501,75 +7358,55 @@
           <a:p>
             <a:r>
               <a:rPr lang="en-US" dirty="0"/>
-              <a:t>Switch Time Optimization</a:t>
-            </a:r>
-          </a:p>
-        </p:txBody>
-      </p:sp>
-      <p:sp>
-        <p:nvSpPr>
-          <p:cNvPr id="3" name="Content Placeholder 2"/>
-          <p:cNvSpPr>
-            <a:spLocks noGrp="1"/>
-          </p:cNvSpPr>
+              <a:t>Low-order Parameterization </a:t>
+            </a:r>
+          </a:p>
+        </p:txBody>
+      </p:sp>
+      <p:pic>
+        <p:nvPicPr>
+          <p:cNvPr id="5" name="Content Placeholder 4"/>
+          <p:cNvPicPr>
+            <a:picLocks noGrp="1" noChangeAspect="1"/>
+          </p:cNvPicPr>
           <p:nvPr>
             <p:ph idx="1"/>
           </p:nvPr>
+        </p:nvPicPr>
+        <p:blipFill rotWithShape="1">
+          <a:blip r:embed="rId2">
+            <a:extLst>
+              <a:ext uri="{28A0092B-C50C-407E-A947-70E740481C1C}">
+                <a14:useLocalDpi xmlns:a14="http://schemas.microsoft.com/office/drawing/2010/main" val="0"/>
+              </a:ext>
+            </a:extLst>
+          </a:blip>
+          <a:srcRect l="7992" t="9114" r="8356" b="5157"/>
+          <a:stretch/>
+        </p:blipFill>
+        <p:spPr>
+          <a:xfrm>
+            <a:off x="4125191" y="2244436"/>
+            <a:ext cx="4894118" cy="3730338"/>
+          </a:xfrm>
+        </p:spPr>
+      </p:pic>
+      <p:sp>
+        <p:nvSpPr>
+          <p:cNvPr id="4" name="Date Placeholder 3"/>
+          <p:cNvSpPr>
+            <a:spLocks noGrp="1"/>
+          </p:cNvSpPr>
+          <p:nvPr>
+            <p:ph type="dt" sz="half" idx="10"/>
+          </p:nvPr>
         </p:nvSpPr>
         <p:spPr/>
         <p:txBody>
           <a:bodyPr/>
           <a:lstStyle/>
           <a:p>
-            <a:r>
-              <a:rPr lang="en-US" sz="2400" dirty="0"/>
-              <a:t>Gradients with respect to switch times cannot be easily evaluated via finite difference, and automatic differentiation fails due to the discontinuous logic</a:t>
-            </a:r>
-          </a:p>
-          <a:p>
-            <a:r>
-              <a:rPr lang="en-US" sz="2400" dirty="0"/>
-              <a:t>Solved very efficiently via SQP method (quasi-Newton method, BFGS update to inverse Hessian)</a:t>
-            </a:r>
-          </a:p>
-          <a:p>
-            <a:pPr lvl="1"/>
-            <a:r>
-              <a:rPr lang="en-US" sz="2000" dirty="0"/>
-              <a:t>For the 3-parameter problems here, typical convergence is &lt; 5 iterations </a:t>
-            </a:r>
-          </a:p>
-          <a:p>
-            <a:r>
-              <a:rPr lang="en-US" sz="2400" dirty="0"/>
-              <a:t>We left margins heuristically, assumed a fixed % was sufficient for closed loop trajectories </a:t>
-            </a:r>
-          </a:p>
-          <a:p>
-            <a:pPr lvl="1"/>
-            <a:r>
-              <a:rPr lang="en-US" sz="2000" dirty="0"/>
-              <a:t>In a future approach, the bank angle magnitudes become decision variables and the appropriate margin during each segment is determined automatically</a:t>
-            </a:r>
-          </a:p>
-        </p:txBody>
-      </p:sp>
-      <p:sp>
-        <p:nvSpPr>
-          <p:cNvPr id="4" name="Date Placeholder 3"/>
-          <p:cNvSpPr>
-            <a:spLocks noGrp="1"/>
-          </p:cNvSpPr>
-          <p:nvPr>
-            <p:ph type="dt" sz="half" idx="10"/>
-          </p:nvPr>
-        </p:nvSpPr>
-        <p:spPr/>
-        <p:txBody>
-          <a:bodyPr/>
-          <a:lstStyle/>
-          <a:p>
-            <a:fld id="{581CF2A1-F6C1-4B7E-AC26-04453B5C8EE3}" type="datetime1">
+            <a:fld id="{DACEE8DD-B545-4020-BC5A-D34F01A5A26F}" type="datetime1">
               <a:rPr lang="en-US" smtClean="0"/>
               <a:t>12/5/2018</a:t>
             </a:fld>
@@ -7577,10 +7414,152 @@
           </a:p>
         </p:txBody>
       </p:sp>
+      <p:pic>
+        <p:nvPicPr>
+          <p:cNvPr id="6" name="Picture 5"/>
+          <p:cNvPicPr>
+            <a:picLocks noChangeAspect="1"/>
+          </p:cNvPicPr>
+          <p:nvPr/>
+        </p:nvPicPr>
+        <p:blipFill>
+          <a:blip r:embed="rId3">
+            <a:extLst>
+              <a:ext uri="{28A0092B-C50C-407E-A947-70E740481C1C}">
+                <a14:useLocalDpi xmlns:a14="http://schemas.microsoft.com/office/drawing/2010/main" val="0"/>
+              </a:ext>
+            </a:extLst>
+          </a:blip>
+          <a:stretch>
+            <a:fillRect/>
+          </a:stretch>
+        </p:blipFill>
+        <p:spPr>
+          <a:xfrm>
+            <a:off x="322118" y="2175610"/>
+            <a:ext cx="2684663" cy="846701"/>
+          </a:xfrm>
+          <a:prstGeom prst="rect">
+            <a:avLst/>
+          </a:prstGeom>
+        </p:spPr>
+      </p:pic>
+      <p:sp>
+        <p:nvSpPr>
+          <p:cNvPr id="7" name="Right Arrow 6"/>
+          <p:cNvSpPr/>
+          <p:nvPr/>
+        </p:nvSpPr>
+        <p:spPr>
+          <a:xfrm>
+            <a:off x="3190009" y="2516315"/>
+            <a:ext cx="831273" cy="207818"/>
+          </a:xfrm>
+          <a:prstGeom prst="rightArrow">
+            <a:avLst/>
+          </a:prstGeom>
+        </p:spPr>
+        <p:style>
+          <a:lnRef idx="2">
+            <a:schemeClr val="accent1">
+              <a:shade val="50000"/>
+            </a:schemeClr>
+          </a:lnRef>
+          <a:fillRef idx="1">
+            <a:schemeClr val="accent1"/>
+          </a:fillRef>
+          <a:effectRef idx="0">
+            <a:schemeClr val="accent1"/>
+          </a:effectRef>
+          <a:fontRef idx="minor">
+            <a:schemeClr val="lt1"/>
+          </a:fontRef>
+        </p:style>
+        <p:txBody>
+          <a:bodyPr rtlCol="0" anchor="ctr"/>
+          <a:lstStyle/>
+          <a:p>
+            <a:pPr algn="ctr"/>
+            <a:endParaRPr lang="en-US"/>
+          </a:p>
+        </p:txBody>
+      </p:sp>
+      <p:sp>
+        <p:nvSpPr>
+          <p:cNvPr id="3" name="TextBox 2"/>
+          <p:cNvSpPr txBox="1"/>
+          <p:nvPr/>
+        </p:nvSpPr>
+        <p:spPr>
+          <a:xfrm>
+            <a:off x="118523" y="3274836"/>
+            <a:ext cx="3902759" cy="2585323"/>
+          </a:xfrm>
+          <a:prstGeom prst="rect">
+            <a:avLst/>
+          </a:prstGeom>
+          <a:noFill/>
+        </p:spPr>
+        <p:txBody>
+          <a:bodyPr wrap="square" rtlCol="0">
+            <a:spAutoFit/>
+          </a:bodyPr>
+          <a:lstStyle/>
+          <a:p>
+            <a:pPr marL="285750" indent="-285750">
+              <a:buFont typeface="Arial" panose="020B0604020202020204" pitchFamily="34" charset="0"/>
+              <a:buChar char="•"/>
+            </a:pPr>
+            <a:r>
+              <a:rPr lang="en-US" dirty="0"/>
+              <a:t>If-then logic used is discontinuous; </a:t>
+            </a:r>
+            <a:r>
+              <a:rPr lang="en-US" dirty="0" err="1"/>
+              <a:t>Nelder</a:t>
+            </a:r>
+            <a:r>
+              <a:rPr lang="en-US" dirty="0"/>
+              <a:t>-Mead simplex method has been used for optimization</a:t>
+            </a:r>
+          </a:p>
+          <a:p>
+            <a:pPr marL="285750" indent="-285750">
+              <a:buFont typeface="Arial" panose="020B0604020202020204" pitchFamily="34" charset="0"/>
+              <a:buChar char="•"/>
+            </a:pPr>
+            <a:r>
+              <a:rPr lang="en-US" dirty="0"/>
+              <a:t>Results from hybrid OC literature suggest a gradient based solution is possible and preferable</a:t>
+            </a:r>
+          </a:p>
+          <a:p>
+            <a:pPr marL="742950" lvl="1" indent="-285750">
+              <a:buFont typeface="Arial" panose="020B0604020202020204" pitchFamily="34" charset="0"/>
+              <a:buChar char="•"/>
+            </a:pPr>
+            <a:r>
+              <a:rPr lang="en-US" dirty="0"/>
+              <a:t>Can be computed via forward or </a:t>
+            </a:r>
+            <a:r>
+              <a:rPr lang="en-US" dirty="0" err="1"/>
+              <a:t>adjoint</a:t>
+            </a:r>
+            <a:r>
+              <a:rPr lang="en-US" dirty="0"/>
+              <a:t> sensitivities  </a:t>
+            </a:r>
+          </a:p>
+          <a:p>
+            <a:endParaRPr lang="en-US" dirty="0"/>
+          </a:p>
+        </p:txBody>
+      </p:sp>
     </p:spTree>
     <p:extLst>
       <p:ext uri="{BB962C8B-B14F-4D97-AF65-F5344CB8AC3E}">
-        <p14:creationId xmlns:p14="http://schemas.microsoft.com/office/powerpoint/2010/main" val="4101162675"/>
+        <p14:creationId xmlns:p14="http://schemas.microsoft.com/office/powerpoint/2010/main" val="1692557665"/>
       </p:ext>
     </p:extLst>
   </p:cSld>
@@ -7624,17 +7603,8 @@
           <a:p>
             <a:r>
               <a:rPr lang="en-US" dirty="0"/>
-              <a:t>Entry Trajectory </a:t>
-            </a:r>
-            <a:r>
-              <a:rPr lang="en-US" dirty="0" smtClean="0"/>
-              <a:t>Updating</a:t>
-            </a:r>
-            <a:r>
-              <a:rPr lang="en-US" sz="2400" baseline="90000" dirty="0" smtClean="0"/>
-              <a:t>1</a:t>
-            </a:r>
-            <a:endParaRPr lang="en-US" baseline="90000" dirty="0"/>
+              <a:t>Switch Time Optimization</a:t>
+            </a:r>
           </a:p>
         </p:txBody>
       </p:sp>
@@ -7648,42 +7618,41 @@
             <p:ph idx="1"/>
           </p:nvPr>
         </p:nvSpPr>
-        <p:spPr>
-          <a:xfrm>
-            <a:off x="628650" y="1792119"/>
-            <a:ext cx="8361346" cy="5561582"/>
-          </a:xfrm>
-        </p:spPr>
+        <p:spPr/>
         <p:txBody>
           <a:bodyPr/>
           <a:lstStyle/>
           <a:p>
             <a:r>
               <a:rPr lang="en-US" sz="2400" dirty="0"/>
-              <a:t>The entry vehicle enters the atmosphere with a trajectory designed that will deliver it to the target under nominal conditions </a:t>
+              <a:t>Gradients with respect to switch times cannot be easily evaluated via finite difference, and automatic differentiation fails due to the discontinuous logic</a:t>
             </a:r>
           </a:p>
           <a:p>
             <a:r>
               <a:rPr lang="en-US" sz="2400" dirty="0"/>
-              <a:t>Under off-nominal conditions, the vehicle will deviate from the trajectory that was planned, sometimes even with the aid of closed-loop guidance </a:t>
+              <a:t>Solved very efficiently via SQP method (quasi-Newton method, BFGS update to inverse Hessian)</a:t>
             </a:r>
           </a:p>
           <a:p>
             <a:pPr lvl="1"/>
             <a:r>
               <a:rPr lang="en-US" sz="2000" dirty="0"/>
-              <a:t>Vehicle may arrive at the target under poor conditions (e.g. outside of parachute deployment conditions, poor SRP ignition point, etc.) or may violate important path constraints </a:t>
+              <a:t>For the 3-parameter problems here, typical convergence is &lt; 5 iterations </a:t>
             </a:r>
           </a:p>
           <a:p>
             <a:r>
               <a:rPr lang="en-US" sz="2400" dirty="0"/>
-              <a:t>Goal: use current estimated vehicle state and redesign a path to the target while satisfying constraints (e.g. parachute deploy conditions, path constraints)</a:t>
-            </a:r>
-          </a:p>
-          <a:p>
-            <a:endParaRPr lang="en-US" dirty="0"/>
+              <a:t>We left margins heuristically, assumed a fixed % was sufficient for closed loop trajectories </a:t>
+            </a:r>
+          </a:p>
+          <a:p>
+            <a:pPr lvl="1"/>
+            <a:r>
+              <a:rPr lang="en-US" sz="2000" dirty="0"/>
+              <a:t>In a future approach, the bank angle magnitudes become decision variables and the appropriate margin during each segment is determined automatically</a:t>
+            </a:r>
           </a:p>
         </p:txBody>
       </p:sp>
@@ -7702,7 +7671,7 @@
           <a:bodyPr/>
           <a:lstStyle/>
           <a:p>
-            <a:fld id="{63A7C39B-4337-4284-8FCA-2CFCA1AD45E4}" type="datetime1">
+            <a:fld id="{581CF2A1-F6C1-4B7E-AC26-04453B5C8EE3}" type="datetime1">
               <a:rPr lang="en-US" smtClean="0"/>
               <a:t>12/5/2018</a:t>
             </a:fld>
@@ -7710,68 +7679,10 @@
           </a:p>
         </p:txBody>
       </p:sp>
-      <p:sp>
-        <p:nvSpPr>
-          <p:cNvPr id="5" name="TextBox 4"/>
-          <p:cNvSpPr txBox="1"/>
-          <p:nvPr/>
-        </p:nvSpPr>
-        <p:spPr>
-          <a:xfrm>
-            <a:off x="2469824" y="6402071"/>
-            <a:ext cx="6117996" cy="461665"/>
-          </a:xfrm>
-          <a:prstGeom prst="rect">
-            <a:avLst/>
-          </a:prstGeom>
-          <a:noFill/>
-        </p:spPr>
-        <p:txBody>
-          <a:bodyPr wrap="square" rtlCol="0">
-            <a:spAutoFit/>
-          </a:bodyPr>
-          <a:lstStyle/>
-          <a:p>
-            <a:r>
-              <a:rPr lang="en-US" sz="1200" baseline="30000" dirty="0" smtClean="0"/>
-              <a:t>1</a:t>
-            </a:r>
-            <a:r>
-              <a:rPr lang="en-US" sz="1200" dirty="0" smtClean="0"/>
-              <a:t> Noyes, C.D., </a:t>
-            </a:r>
-            <a:r>
-              <a:rPr lang="en-US" sz="1200" dirty="0" err="1" smtClean="0"/>
-              <a:t>Mease</a:t>
-            </a:r>
-            <a:r>
-              <a:rPr lang="en-US" sz="1200" dirty="0" smtClean="0"/>
-              <a:t>, K.D., </a:t>
-            </a:r>
-            <a:r>
-              <a:rPr lang="en-US" sz="1200" i="1" dirty="0" smtClean="0"/>
-              <a:t>A Convex Optimization Approach to Mars Entry Trajectory Updating</a:t>
-            </a:r>
-            <a:r>
-              <a:rPr lang="en-US" sz="1200" dirty="0" smtClean="0"/>
-              <a:t>, AAS </a:t>
-            </a:r>
-            <a:r>
-              <a:rPr lang="en-US" sz="1200" dirty="0" err="1" smtClean="0"/>
-              <a:t>Astrodynamics</a:t>
-            </a:r>
-            <a:r>
-              <a:rPr lang="en-US" sz="1200" dirty="0" smtClean="0"/>
-              <a:t> Conference, 2018. </a:t>
-            </a:r>
-            <a:endParaRPr lang="en-US" sz="1200" dirty="0"/>
-          </a:p>
-        </p:txBody>
-      </p:sp>
     </p:spTree>
     <p:extLst>
       <p:ext uri="{BB962C8B-B14F-4D97-AF65-F5344CB8AC3E}">
-        <p14:creationId xmlns:p14="http://schemas.microsoft.com/office/powerpoint/2010/main" val="1411460258"/>
+        <p14:creationId xmlns:p14="http://schemas.microsoft.com/office/powerpoint/2010/main" val="4101162675"/>
       </p:ext>
     </p:extLst>
   </p:cSld>
@@ -7808,20 +7719,24 @@
             <p:ph type="title"/>
           </p:nvPr>
         </p:nvSpPr>
-        <p:spPr>
-          <a:xfrm>
-            <a:off x="628650" y="1079157"/>
-            <a:ext cx="7886700" cy="853160"/>
-          </a:xfrm>
-        </p:spPr>
+        <p:spPr/>
         <p:txBody>
           <a:bodyPr/>
           <a:lstStyle/>
           <a:p>
             <a:r>
               <a:rPr lang="en-US" dirty="0"/>
-              <a:t>Proposed Approach</a:t>
-            </a:r>
+              <a:t>Entry Trajectory </a:t>
+            </a:r>
+            <a:r>
+              <a:rPr lang="en-US" dirty="0" smtClean="0"/>
+              <a:t>Updating</a:t>
+            </a:r>
+            <a:r>
+              <a:rPr lang="en-US" sz="2400" baseline="90000" dirty="0" smtClean="0"/>
+              <a:t>1</a:t>
+            </a:r>
+            <a:endParaRPr lang="en-US" baseline="90000" dirty="0"/>
           </a:p>
         </p:txBody>
       </p:sp>
@@ -7837,8 +7752,8 @@
         </p:nvSpPr>
         <p:spPr>
           <a:xfrm>
-            <a:off x="628650" y="1916153"/>
-            <a:ext cx="7886700" cy="4792655"/>
+            <a:off x="628650" y="1792119"/>
+            <a:ext cx="8361346" cy="5561582"/>
           </a:xfrm>
         </p:spPr>
         <p:txBody>
@@ -7847,91 +7762,30 @@
           <a:p>
             <a:r>
               <a:rPr lang="en-US" sz="2400" dirty="0"/>
-              <a:t>Trajectory update is posed an optimal control problem</a:t>
+              <a:t>The entry vehicle enters the atmosphere with a trajectory designed that will deliver it to the target under nominal conditions </a:t>
+            </a:r>
+          </a:p>
+          <a:p>
+            <a:r>
+              <a:rPr lang="en-US" sz="2400" dirty="0"/>
+              <a:t>Under off-nominal conditions, the vehicle will deviate from the trajectory that was planned, sometimes even with the aid of closed-loop guidance </a:t>
             </a:r>
           </a:p>
           <a:p>
             <a:pPr lvl="1"/>
             <a:r>
               <a:rPr lang="en-US" sz="2000" dirty="0"/>
-              <a:t>Objective is to minimize distance to original trajectory while satisfying terminal constraints </a:t>
+              <a:t>Vehicle may arrive at the target under poor conditions (e.g. outside of parachute deployment conditions, poor SRP ignition point, etc.) or may violate important path constraints </a:t>
             </a:r>
           </a:p>
           <a:p>
             <a:r>
               <a:rPr lang="en-US" sz="2400" dirty="0"/>
-              <a:t>Use energy as independent variable </a:t>
-            </a:r>
-          </a:p>
-          <a:p>
-            <a:r>
-              <a:rPr lang="en-US" sz="2400" dirty="0" err="1"/>
-              <a:t>Convexify</a:t>
-            </a:r>
-            <a:r>
-              <a:rPr lang="en-US" sz="2400" dirty="0"/>
-              <a:t> </a:t>
-            </a:r>
-          </a:p>
-          <a:p>
-            <a:pPr lvl="1"/>
-            <a:r>
-              <a:rPr lang="en-US" sz="2000" dirty="0"/>
-              <a:t>Treat bank angle as additional state, use bank rate as the control variable</a:t>
-            </a:r>
-          </a:p>
-          <a:p>
-            <a:pPr lvl="1"/>
-            <a:r>
-              <a:rPr lang="en-US" sz="2000" dirty="0"/>
-              <a:t>Linearize the equations of motion </a:t>
-            </a:r>
-          </a:p>
-          <a:p>
-            <a:pPr lvl="1"/>
-            <a:r>
-              <a:rPr lang="en-US" sz="2000" dirty="0"/>
-              <a:t>Unlike powered descent case, </a:t>
-            </a:r>
-            <a:r>
-              <a:rPr lang="en-US" sz="2000" dirty="0" err="1"/>
-              <a:t>convexification</a:t>
-            </a:r>
-            <a:r>
-              <a:rPr lang="en-US" sz="2000" dirty="0"/>
-              <a:t> is not lossless </a:t>
-            </a:r>
-          </a:p>
-          <a:p>
-            <a:r>
-              <a:rPr lang="en-US" sz="2400" dirty="0"/>
-              <a:t>Discretize (or transcribe) into second-order cone program</a:t>
-            </a:r>
-          </a:p>
-          <a:p>
-            <a:pPr lvl="1"/>
-            <a:r>
-              <a:rPr lang="en-US" sz="2000" dirty="0" err="1"/>
-              <a:t>Chebyshev</a:t>
-            </a:r>
-            <a:r>
-              <a:rPr lang="en-US" sz="2000" dirty="0"/>
-              <a:t> </a:t>
-            </a:r>
-            <a:r>
-              <a:rPr lang="en-US" sz="2000" dirty="0" err="1"/>
-              <a:t>pseudospectral</a:t>
-            </a:r>
-            <a:r>
-              <a:rPr lang="en-US" sz="2000" dirty="0"/>
-              <a:t> method </a:t>
-            </a:r>
-          </a:p>
-          <a:p>
-            <a:r>
-              <a:rPr lang="en-US" sz="2400" dirty="0"/>
-              <a:t>Solve the resulting SOCP using efficient interior-point solver</a:t>
-            </a:r>
+              <a:t>Goal: use current estimated vehicle state and redesign a path to the target while satisfying constraints (e.g. parachute deploy conditions, path constraints)</a:t>
+            </a:r>
+          </a:p>
+          <a:p>
+            <a:endParaRPr lang="en-US" dirty="0"/>
           </a:p>
         </p:txBody>
       </p:sp>
@@ -7950,7 +7804,7 @@
           <a:bodyPr/>
           <a:lstStyle/>
           <a:p>
-            <a:fld id="{CB9C015D-D165-4AE2-B291-D92CBC321699}" type="datetime1">
+            <a:fld id="{63A7C39B-4337-4284-8FCA-2CFCA1AD45E4}" type="datetime1">
               <a:rPr lang="en-US" smtClean="0"/>
               <a:t>12/5/2018</a:t>
             </a:fld>
@@ -7958,10 +7812,80 @@
           </a:p>
         </p:txBody>
       </p:sp>
+      <p:sp>
+        <p:nvSpPr>
+          <p:cNvPr id="5" name="TextBox 4"/>
+          <p:cNvSpPr txBox="1"/>
+          <p:nvPr/>
+        </p:nvSpPr>
+        <p:spPr>
+          <a:xfrm>
+            <a:off x="2149784" y="6385054"/>
+            <a:ext cx="5622616" cy="461665"/>
+          </a:xfrm>
+          <a:prstGeom prst="rect">
+            <a:avLst/>
+          </a:prstGeom>
+          <a:noFill/>
+        </p:spPr>
+        <p:txBody>
+          <a:bodyPr wrap="square" rtlCol="0">
+            <a:spAutoFit/>
+          </a:bodyPr>
+          <a:lstStyle/>
+          <a:p>
+            <a:r>
+              <a:rPr lang="en-US" sz="1200" baseline="30000" dirty="0" smtClean="0"/>
+              <a:t>1</a:t>
+            </a:r>
+            <a:r>
+              <a:rPr lang="en-US" sz="1200" dirty="0" smtClean="0"/>
+              <a:t> </a:t>
+            </a:r>
+            <a:r>
+              <a:rPr lang="en-US" sz="1100" dirty="0" smtClean="0"/>
+              <a:t>Noyes, C.D., </a:t>
+            </a:r>
+            <a:r>
+              <a:rPr lang="en-US" sz="1100" dirty="0" err="1" smtClean="0"/>
+              <a:t>Mease</a:t>
+            </a:r>
+            <a:r>
+              <a:rPr lang="en-US" sz="1100" dirty="0" smtClean="0"/>
+              <a:t>, K.D., </a:t>
+            </a:r>
+            <a:r>
+              <a:rPr lang="en-US" sz="1100" i="1" dirty="0" smtClean="0"/>
+              <a:t>A Convex Optimization Approach to Mars Entry Trajectory Updating</a:t>
+            </a:r>
+            <a:r>
+              <a:rPr lang="en-US" sz="1100" dirty="0" smtClean="0"/>
+              <a:t>, AAS </a:t>
+            </a:r>
+            <a:r>
+              <a:rPr lang="en-US" sz="1100" dirty="0" err="1" smtClean="0"/>
+              <a:t>Astrodynamics</a:t>
+            </a:r>
+            <a:r>
+              <a:rPr lang="en-US" sz="1100" dirty="0" smtClean="0"/>
+              <a:t> </a:t>
+            </a:r>
+            <a:r>
+              <a:rPr lang="en-US" sz="1100" dirty="0" smtClean="0"/>
+              <a:t>Specialist Conference</a:t>
+            </a:r>
+            <a:r>
+              <a:rPr lang="en-US" sz="1100" dirty="0" smtClean="0"/>
+              <a:t>, 2018. </a:t>
+            </a:r>
+            <a:endParaRPr lang="en-US" sz="1100" dirty="0"/>
+          </a:p>
+        </p:txBody>
+      </p:sp>
     </p:spTree>
     <p:extLst>
       <p:ext uri="{BB962C8B-B14F-4D97-AF65-F5344CB8AC3E}">
-        <p14:creationId xmlns:p14="http://schemas.microsoft.com/office/powerpoint/2010/main" val="3047953510"/>
+        <p14:creationId xmlns:p14="http://schemas.microsoft.com/office/powerpoint/2010/main" val="1411460258"/>
       </p:ext>
     </p:extLst>
   </p:cSld>
@@ -8131,6 +8055,196 @@
             <p:ph type="title"/>
           </p:nvPr>
         </p:nvSpPr>
+        <p:spPr>
+          <a:xfrm>
+            <a:off x="628650" y="1079157"/>
+            <a:ext cx="7886700" cy="853160"/>
+          </a:xfrm>
+        </p:spPr>
+        <p:txBody>
+          <a:bodyPr/>
+          <a:lstStyle/>
+          <a:p>
+            <a:r>
+              <a:rPr lang="en-US" dirty="0"/>
+              <a:t>Proposed Approach</a:t>
+            </a:r>
+          </a:p>
+        </p:txBody>
+      </p:sp>
+      <p:sp>
+        <p:nvSpPr>
+          <p:cNvPr id="3" name="Content Placeholder 2"/>
+          <p:cNvSpPr>
+            <a:spLocks noGrp="1"/>
+          </p:cNvSpPr>
+          <p:nvPr>
+            <p:ph idx="1"/>
+          </p:nvPr>
+        </p:nvSpPr>
+        <p:spPr>
+          <a:xfrm>
+            <a:off x="628650" y="1916153"/>
+            <a:ext cx="7886700" cy="4792655"/>
+          </a:xfrm>
+        </p:spPr>
+        <p:txBody>
+          <a:bodyPr/>
+          <a:lstStyle/>
+          <a:p>
+            <a:r>
+              <a:rPr lang="en-US" sz="2400" dirty="0"/>
+              <a:t>Trajectory update is posed an optimal control problem</a:t>
+            </a:r>
+          </a:p>
+          <a:p>
+            <a:pPr lvl="1"/>
+            <a:r>
+              <a:rPr lang="en-US" sz="2000" dirty="0"/>
+              <a:t>Objective is to minimize distance to original trajectory while satisfying terminal constraints </a:t>
+            </a:r>
+          </a:p>
+          <a:p>
+            <a:r>
+              <a:rPr lang="en-US" sz="2400" dirty="0"/>
+              <a:t>Use energy as independent variable </a:t>
+            </a:r>
+          </a:p>
+          <a:p>
+            <a:r>
+              <a:rPr lang="en-US" sz="2400" dirty="0" err="1"/>
+              <a:t>Convexify</a:t>
+            </a:r>
+            <a:r>
+              <a:rPr lang="en-US" sz="2400" dirty="0"/>
+              <a:t> </a:t>
+            </a:r>
+          </a:p>
+          <a:p>
+            <a:pPr lvl="1"/>
+            <a:r>
+              <a:rPr lang="en-US" sz="2000" dirty="0"/>
+              <a:t>Treat bank angle as additional state, use bank rate as the control variable</a:t>
+            </a:r>
+          </a:p>
+          <a:p>
+            <a:pPr lvl="1"/>
+            <a:r>
+              <a:rPr lang="en-US" sz="2000" dirty="0"/>
+              <a:t>Linearize the equations of motion </a:t>
+            </a:r>
+          </a:p>
+          <a:p>
+            <a:pPr lvl="1"/>
+            <a:r>
+              <a:rPr lang="en-US" sz="2000" dirty="0"/>
+              <a:t>Unlike powered descent case, </a:t>
+            </a:r>
+            <a:r>
+              <a:rPr lang="en-US" sz="2000" dirty="0" err="1"/>
+              <a:t>convexification</a:t>
+            </a:r>
+            <a:r>
+              <a:rPr lang="en-US" sz="2000" dirty="0"/>
+              <a:t> is not lossless </a:t>
+            </a:r>
+          </a:p>
+          <a:p>
+            <a:r>
+              <a:rPr lang="en-US" sz="2400" dirty="0"/>
+              <a:t>Discretize (or transcribe) into second-order cone program</a:t>
+            </a:r>
+          </a:p>
+          <a:p>
+            <a:pPr lvl="1"/>
+            <a:r>
+              <a:rPr lang="en-US" sz="2000" dirty="0" err="1"/>
+              <a:t>Chebyshev</a:t>
+            </a:r>
+            <a:r>
+              <a:rPr lang="en-US" sz="2000" dirty="0"/>
+              <a:t> </a:t>
+            </a:r>
+            <a:r>
+              <a:rPr lang="en-US" sz="2000" dirty="0" err="1"/>
+              <a:t>pseudospectral</a:t>
+            </a:r>
+            <a:r>
+              <a:rPr lang="en-US" sz="2000" dirty="0"/>
+              <a:t> method </a:t>
+            </a:r>
+          </a:p>
+          <a:p>
+            <a:r>
+              <a:rPr lang="en-US" sz="2400" dirty="0"/>
+              <a:t>Solve the resulting SOCP using efficient interior-point solver</a:t>
+            </a:r>
+          </a:p>
+        </p:txBody>
+      </p:sp>
+      <p:sp>
+        <p:nvSpPr>
+          <p:cNvPr id="4" name="Date Placeholder 3"/>
+          <p:cNvSpPr>
+            <a:spLocks noGrp="1"/>
+          </p:cNvSpPr>
+          <p:nvPr>
+            <p:ph type="dt" sz="half" idx="10"/>
+          </p:nvPr>
+        </p:nvSpPr>
+        <p:spPr/>
+        <p:txBody>
+          <a:bodyPr/>
+          <a:lstStyle/>
+          <a:p>
+            <a:fld id="{CB9C015D-D165-4AE2-B291-D92CBC321699}" type="datetime1">
+              <a:rPr lang="en-US" smtClean="0"/>
+              <a:t>12/5/2018</a:t>
+            </a:fld>
+            <a:endParaRPr lang="en-US"/>
+          </a:p>
+        </p:txBody>
+      </p:sp>
+    </p:spTree>
+    <p:extLst>
+      <p:ext uri="{BB962C8B-B14F-4D97-AF65-F5344CB8AC3E}">
+        <p14:creationId xmlns:p14="http://schemas.microsoft.com/office/powerpoint/2010/main" val="3047953510"/>
+      </p:ext>
+    </p:extLst>
+  </p:cSld>
+  <p:clrMapOvr>
+    <a:masterClrMapping/>
+  </p:clrMapOvr>
+</p:sld>
+</file>
+
+<file path=ppt/slides/slide21.xml><?xml version="1.0" encoding="utf-8"?>
+<p:sld xmlns:a="http://schemas.openxmlformats.org/drawingml/2006/main" xmlns:r="http://schemas.openxmlformats.org/officeDocument/2006/relationships" xmlns:p="http://schemas.openxmlformats.org/presentationml/2006/main">
+  <p:cSld>
+    <p:spTree>
+      <p:nvGrpSpPr>
+        <p:cNvPr id="1" name=""/>
+        <p:cNvGrpSpPr/>
+        <p:nvPr/>
+      </p:nvGrpSpPr>
+      <p:grpSpPr>
+        <a:xfrm>
+          <a:off x="0" y="0"/>
+          <a:ext cx="0" cy="0"/>
+          <a:chOff x="0" y="0"/>
+          <a:chExt cx="0" cy="0"/>
+        </a:xfrm>
+      </p:grpSpPr>
+      <p:sp>
+        <p:nvSpPr>
+          <p:cNvPr id="2" name="Title 1"/>
+          <p:cNvSpPr>
+            <a:spLocks noGrp="1"/>
+          </p:cNvSpPr>
+          <p:nvPr>
+            <p:ph type="title"/>
+          </p:nvPr>
+        </p:nvSpPr>
         <p:spPr/>
         <p:txBody>
           <a:bodyPr/>
@@ -8223,7 +8337,7 @@
 </p:sld>
 </file>
 
-<file path=ppt/slides/slide21.xml><?xml version="1.0" encoding="utf-8"?>
+<file path=ppt/slides/slide22.xml><?xml version="1.0" encoding="utf-8"?>
 <p:sld xmlns:a="http://schemas.openxmlformats.org/drawingml/2006/main" xmlns:r="http://schemas.openxmlformats.org/officeDocument/2006/relationships" xmlns:p="http://schemas.openxmlformats.org/presentationml/2006/main">
   <p:cSld>
     <p:spTree>
@@ -8477,7 +8591,7 @@
 </p:sld>
 </file>
 
-<file path=ppt/slides/slide22.xml><?xml version="1.0" encoding="utf-8"?>
+<file path=ppt/slides/slide23.xml><?xml version="1.0" encoding="utf-8"?>
 <p:sld xmlns:a="http://schemas.openxmlformats.org/drawingml/2006/main" xmlns:r="http://schemas.openxmlformats.org/officeDocument/2006/relationships" xmlns:p="http://schemas.openxmlformats.org/presentationml/2006/main">
   <p:cSld>
     <p:spTree>
@@ -8673,173 +8787,6 @@
     <p:extLst>
       <p:ext uri="{BB962C8B-B14F-4D97-AF65-F5344CB8AC3E}">
         <p14:creationId xmlns:p14="http://schemas.microsoft.com/office/powerpoint/2010/main" val="860064350"/>
-      </p:ext>
-    </p:extLst>
-  </p:cSld>
-  <p:clrMapOvr>
-    <a:masterClrMapping/>
-  </p:clrMapOvr>
-</p:sld>
-</file>
-
-<file path=ppt/slides/slide23.xml><?xml version="1.0" encoding="utf-8"?>
-<p:sld xmlns:a="http://schemas.openxmlformats.org/drawingml/2006/main" xmlns:r="http://schemas.openxmlformats.org/officeDocument/2006/relationships" xmlns:p="http://schemas.openxmlformats.org/presentationml/2006/main">
-  <p:cSld>
-    <p:spTree>
-      <p:nvGrpSpPr>
-        <p:cNvPr id="1" name=""/>
-        <p:cNvGrpSpPr/>
-        <p:nvPr/>
-      </p:nvGrpSpPr>
-      <p:grpSpPr>
-        <a:xfrm>
-          <a:off x="0" y="0"/>
-          <a:ext cx="0" cy="0"/>
-          <a:chOff x="0" y="0"/>
-          <a:chExt cx="0" cy="0"/>
-        </a:xfrm>
-      </p:grpSpPr>
-      <p:sp>
-        <p:nvSpPr>
-          <p:cNvPr id="2" name="Title 1"/>
-          <p:cNvSpPr>
-            <a:spLocks noGrp="1"/>
-          </p:cNvSpPr>
-          <p:nvPr>
-            <p:ph type="title"/>
-          </p:nvPr>
-        </p:nvSpPr>
-        <p:spPr/>
-        <p:txBody>
-          <a:bodyPr/>
-          <a:lstStyle/>
-          <a:p>
-            <a:r>
-              <a:rPr lang="en-US" dirty="0"/>
-              <a:t>Monte Carlo Simulation</a:t>
-            </a:r>
-          </a:p>
-        </p:txBody>
-      </p:sp>
-      <p:sp>
-        <p:nvSpPr>
-          <p:cNvPr id="3" name="Content Placeholder 2"/>
-          <p:cNvSpPr>
-            <a:spLocks noGrp="1"/>
-          </p:cNvSpPr>
-          <p:nvPr>
-            <p:ph idx="1"/>
-          </p:nvPr>
-        </p:nvSpPr>
-        <p:spPr/>
-        <p:txBody>
-          <a:bodyPr/>
-          <a:lstStyle/>
-          <a:p>
-            <a:r>
-              <a:rPr lang="en-US" sz="2000" dirty="0"/>
-              <a:t>Vehicle is nominally L/D = 0.24 with initial state subject to MSL-like dispersions</a:t>
-            </a:r>
-          </a:p>
-          <a:p>
-            <a:r>
-              <a:rPr lang="en-US" sz="2000" dirty="0" err="1"/>
-              <a:t>MarsGRAM</a:t>
-            </a:r>
-            <a:r>
-              <a:rPr lang="en-US" sz="2000" dirty="0"/>
-              <a:t> is used for environment modeling</a:t>
-            </a:r>
-          </a:p>
-          <a:p>
-            <a:r>
-              <a:rPr lang="en-US" sz="2000" dirty="0"/>
-              <a:t>Uncertainty is added to lift and drag coefficients</a:t>
-            </a:r>
-          </a:p>
-          <a:p>
-            <a:pPr lvl="1"/>
-            <a:r>
-              <a:rPr lang="en-US" sz="1800" dirty="0"/>
-              <a:t>Gaussian with 3</a:t>
-            </a:r>
-            <a:r>
-              <a:rPr lang="el-GR" sz="1800" dirty="0"/>
-              <a:t>σ</a:t>
-            </a:r>
-            <a:r>
-              <a:rPr lang="en-US" sz="1800" dirty="0"/>
-              <a:t> = 10%</a:t>
-            </a:r>
-          </a:p>
-          <a:p>
-            <a:r>
-              <a:rPr lang="en-US" sz="2000" dirty="0"/>
-              <a:t>Updates occurs at 10 second intervals and stops at 600 m/s </a:t>
-            </a:r>
-          </a:p>
-          <a:p>
-            <a:r>
-              <a:rPr lang="en-US" sz="2000" dirty="0"/>
-              <a:t>Bank angle limited to ±90°, and bank rate limited to 20°/s</a:t>
-            </a:r>
-          </a:p>
-          <a:p>
-            <a:r>
-              <a:rPr lang="en-US" sz="2000" dirty="0"/>
-              <a:t>200 samples chosen by </a:t>
-            </a:r>
-            <a:r>
-              <a:rPr lang="en-US" sz="2000" dirty="0" err="1"/>
-              <a:t>Sobol</a:t>
-            </a:r>
-            <a:r>
-              <a:rPr lang="en-US" sz="2000" dirty="0"/>
-              <a:t>’ sequence</a:t>
-            </a:r>
-          </a:p>
-          <a:p>
-            <a:r>
-              <a:rPr lang="en-US" sz="2000" dirty="0"/>
-              <a:t>Trajectories terminate when they reach the correct downrange distance</a:t>
-            </a:r>
-          </a:p>
-          <a:p>
-            <a:pPr lvl="1"/>
-            <a:r>
-              <a:rPr lang="en-US" sz="1800" dirty="0"/>
-              <a:t>Simple logic, but should expect variations in final altitude and velocity despite energy as independent variable  </a:t>
-            </a:r>
-          </a:p>
-        </p:txBody>
-      </p:sp>
-      <p:sp>
-        <p:nvSpPr>
-          <p:cNvPr id="4" name="Date Placeholder 3"/>
-          <p:cNvSpPr>
-            <a:spLocks noGrp="1"/>
-          </p:cNvSpPr>
-          <p:nvPr>
-            <p:ph type="dt" sz="half" idx="10"/>
-          </p:nvPr>
-        </p:nvSpPr>
-        <p:spPr/>
-        <p:txBody>
-          <a:bodyPr/>
-          <a:lstStyle/>
-          <a:p>
-            <a:fld id="{679CBB44-024B-49D9-BFBE-22296ADF2450}" type="datetime1">
-              <a:rPr lang="en-US" smtClean="0"/>
-              <a:t>12/5/2018</a:t>
-            </a:fld>
-            <a:endParaRPr lang="en-US"/>
-          </a:p>
-        </p:txBody>
-      </p:sp>
-    </p:spTree>
-    <p:extLst>
-      <p:ext uri="{BB962C8B-B14F-4D97-AF65-F5344CB8AC3E}">
-        <p14:creationId xmlns:p14="http://schemas.microsoft.com/office/powerpoint/2010/main" val="3505934654"/>
       </p:ext>
     </p:extLst>
   </p:cSld>
@@ -8883,13 +8830,8 @@
           <a:p>
             <a:r>
               <a:rPr lang="en-US" dirty="0"/>
-              <a:t>MCS Results - </a:t>
-            </a:r>
-            <a:r>
-              <a:rPr lang="en-US" dirty="0" err="1"/>
-              <a:t>Groundtrack</a:t>
-            </a:r>
-            <a:endParaRPr lang="en-US" dirty="0"/>
+              <a:t>Monte Carlo Simulation</a:t>
+            </a:r>
           </a:p>
         </p:txBody>
       </p:sp>
@@ -8903,67 +8845,88 @@
             <p:ph idx="1"/>
           </p:nvPr>
         </p:nvSpPr>
-        <p:spPr>
-          <a:xfrm>
-            <a:off x="628650" y="1777500"/>
-            <a:ext cx="7886700" cy="1398838"/>
-          </a:xfrm>
-        </p:spPr>
-        <p:txBody>
-          <a:bodyPr/>
-          <a:lstStyle/>
-          <a:p>
-            <a:r>
-              <a:rPr lang="en-US" sz="2400" dirty="0"/>
-              <a:t>Excellent </a:t>
-            </a:r>
-            <a:r>
-              <a:rPr lang="en-US" sz="2400" dirty="0" err="1"/>
-              <a:t>crossrange</a:t>
-            </a:r>
-            <a:r>
-              <a:rPr lang="en-US" sz="2400" dirty="0"/>
-              <a:t> performance due to coupled update to longitudinal and lateral channels </a:t>
-            </a:r>
-          </a:p>
-          <a:p>
-            <a:r>
-              <a:rPr lang="en-US" sz="2400" dirty="0"/>
-              <a:t>Interestingly, a small number of samples even have an additional reversal</a:t>
-            </a:r>
-          </a:p>
-        </p:txBody>
-      </p:sp>
-      <p:pic>
-        <p:nvPicPr>
-          <p:cNvPr id="5" name="Picture 4"/>
-          <p:cNvPicPr>
-            <a:picLocks noChangeAspect="1"/>
-          </p:cNvPicPr>
-          <p:nvPr/>
-        </p:nvPicPr>
-        <p:blipFill>
-          <a:blip r:embed="rId3">
-            <a:extLst>
-              <a:ext uri="{28A0092B-C50C-407E-A947-70E740481C1C}">
-                <a14:useLocalDpi xmlns:a14="http://schemas.microsoft.com/office/drawing/2010/main" val="0"/>
-              </a:ext>
-            </a:extLst>
-          </a:blip>
-          <a:stretch>
-            <a:fillRect/>
-          </a:stretch>
-        </p:blipFill>
-        <p:spPr>
-          <a:xfrm>
-            <a:off x="1600247" y="3272588"/>
-            <a:ext cx="5750999" cy="3498601"/>
-          </a:xfrm>
-          <a:prstGeom prst="rect">
-            <a:avLst/>
-          </a:prstGeom>
-        </p:spPr>
-      </p:pic>
+        <p:spPr/>
+        <p:txBody>
+          <a:bodyPr/>
+          <a:lstStyle/>
+          <a:p>
+            <a:r>
+              <a:rPr lang="en-US" sz="2000" dirty="0"/>
+              <a:t>Vehicle is nominally L/D = 0.24 with initial state subject to MSL-like dispersions</a:t>
+            </a:r>
+          </a:p>
+          <a:p>
+            <a:r>
+              <a:rPr lang="en-US" sz="2000" dirty="0" err="1"/>
+              <a:t>MarsGRAM</a:t>
+            </a:r>
+            <a:r>
+              <a:rPr lang="en-US" sz="2000" dirty="0"/>
+              <a:t> is used for environment modeling</a:t>
+            </a:r>
+          </a:p>
+          <a:p>
+            <a:r>
+              <a:rPr lang="en-US" sz="2000" dirty="0"/>
+              <a:t>Uncertainty is added to lift and drag coefficients</a:t>
+            </a:r>
+          </a:p>
+          <a:p>
+            <a:pPr lvl="1"/>
+            <a:r>
+              <a:rPr lang="en-US" sz="1800" dirty="0"/>
+              <a:t>Gaussian with 3</a:t>
+            </a:r>
+            <a:r>
+              <a:rPr lang="el-GR" sz="1800" dirty="0"/>
+              <a:t>σ</a:t>
+            </a:r>
+            <a:r>
+              <a:rPr lang="en-US" sz="1800" dirty="0"/>
+              <a:t> = 10%</a:t>
+            </a:r>
+          </a:p>
+          <a:p>
+            <a:r>
+              <a:rPr lang="en-US" sz="2000" dirty="0"/>
+              <a:t>Updates occurs at 10 second intervals and stops at 600 m/s </a:t>
+            </a:r>
+          </a:p>
+          <a:p>
+            <a:r>
+              <a:rPr lang="en-US" sz="2000" dirty="0"/>
+              <a:t>Bank angle limited to ±90°, and bank rate limited to 20°/s</a:t>
+            </a:r>
+          </a:p>
+          <a:p>
+            <a:r>
+              <a:rPr lang="en-US" sz="2000" dirty="0"/>
+              <a:t>200 samples chosen by </a:t>
+            </a:r>
+            <a:r>
+              <a:rPr lang="en-US" sz="2000" dirty="0" err="1"/>
+              <a:t>Sobol</a:t>
+            </a:r>
+            <a:r>
+              <a:rPr lang="en-US" sz="2000" dirty="0"/>
+              <a:t>’ sequence</a:t>
+            </a:r>
+          </a:p>
+          <a:p>
+            <a:r>
+              <a:rPr lang="en-US" sz="2000" dirty="0"/>
+              <a:t>Trajectories terminate when they reach the correct downrange distance</a:t>
+            </a:r>
+          </a:p>
+          <a:p>
+            <a:pPr lvl="1"/>
+            <a:r>
+              <a:rPr lang="en-US" sz="1800" dirty="0"/>
+              <a:t>Simple logic, but should expect variations in final altitude and velocity despite energy as independent variable  </a:t>
+            </a:r>
+          </a:p>
+        </p:txBody>
+      </p:sp>
       <p:sp>
         <p:nvSpPr>
           <p:cNvPr id="4" name="Date Placeholder 3"/>
@@ -8979,7 +8942,7 @@
           <a:bodyPr/>
           <a:lstStyle/>
           <a:p>
-            <a:fld id="{8BD01A7A-C5C0-478A-8BE6-564915217820}" type="datetime1">
+            <a:fld id="{679CBB44-024B-49D9-BFBE-22296ADF2450}" type="datetime1">
               <a:rPr lang="en-US" smtClean="0"/>
               <a:t>12/5/2018</a:t>
             </a:fld>
@@ -8990,7 +8953,7 @@
     </p:spTree>
     <p:extLst>
       <p:ext uri="{BB962C8B-B14F-4D97-AF65-F5344CB8AC3E}">
-        <p14:creationId xmlns:p14="http://schemas.microsoft.com/office/powerpoint/2010/main" val="1826672569"/>
+        <p14:creationId xmlns:p14="http://schemas.microsoft.com/office/powerpoint/2010/main" val="3505934654"/>
       </p:ext>
     </p:extLst>
   </p:cSld>
@@ -9027,20 +8990,20 @@
             <p:ph type="title"/>
           </p:nvPr>
         </p:nvSpPr>
-        <p:spPr>
-          <a:xfrm>
-            <a:off x="628649" y="964938"/>
-            <a:ext cx="8370972" cy="611532"/>
-          </a:xfrm>
-        </p:spPr>
+        <p:spPr/>
         <p:txBody>
           <a:bodyPr/>
           <a:lstStyle/>
           <a:p>
             <a:r>
               <a:rPr lang="en-US" dirty="0"/>
-              <a:t>MCS Results – Altitude/Velocity</a:t>
-            </a:r>
+              <a:t>MCS Results - </a:t>
+            </a:r>
+            <a:r>
+              <a:rPr lang="en-US" dirty="0" err="1"/>
+              <a:t>Groundtrack</a:t>
+            </a:r>
+            <a:endParaRPr lang="en-US" dirty="0"/>
           </a:p>
         </p:txBody>
       </p:sp>
@@ -9056,8 +9019,8 @@
         </p:nvSpPr>
         <p:spPr>
           <a:xfrm>
-            <a:off x="628649" y="1690690"/>
-            <a:ext cx="7886700" cy="1437522"/>
+            <a:off x="628650" y="1777500"/>
+            <a:ext cx="7886700" cy="1398838"/>
           </a:xfrm>
         </p:spPr>
         <p:txBody>
@@ -9066,57 +9029,28 @@
           <a:p>
             <a:r>
               <a:rPr lang="en-US" sz="2400" dirty="0"/>
-              <a:t>Although some trajectories exit the parachute deployment conditions, all but three pass through the box</a:t>
-            </a:r>
-          </a:p>
-          <a:p>
-            <a:pPr lvl="1"/>
-            <a:r>
-              <a:rPr lang="en-US" sz="2000" dirty="0"/>
-              <a:t>Solved by considering triggering logic that explicitly accounts for parachute conditions </a:t>
-            </a:r>
-          </a:p>
-          <a:p>
-            <a:pPr marL="0" indent="0">
-              <a:buNone/>
-            </a:pPr>
-            <a:endParaRPr lang="en-US" dirty="0"/>
+              <a:t>Excellent </a:t>
+            </a:r>
+            <a:r>
+              <a:rPr lang="en-US" sz="2400" dirty="0" err="1"/>
+              <a:t>crossrange</a:t>
+            </a:r>
+            <a:r>
+              <a:rPr lang="en-US" sz="2400" dirty="0"/>
+              <a:t> performance due to coupled update to longitudinal and lateral channels </a:t>
+            </a:r>
+          </a:p>
+          <a:p>
+            <a:r>
+              <a:rPr lang="en-US" sz="2400" dirty="0"/>
+              <a:t>Interestingly, a small number of samples even have an additional reversal</a:t>
+            </a:r>
           </a:p>
         </p:txBody>
       </p:sp>
       <p:pic>
         <p:nvPicPr>
-          <p:cNvPr id="7" name="Picture 6"/>
-          <p:cNvPicPr>
-            <a:picLocks noChangeAspect="1"/>
-          </p:cNvPicPr>
-          <p:nvPr/>
-        </p:nvPicPr>
-        <p:blipFill>
-          <a:blip r:embed="rId2">
-            <a:extLst>
-              <a:ext uri="{28A0092B-C50C-407E-A947-70E740481C1C}">
-                <a14:useLocalDpi xmlns:a14="http://schemas.microsoft.com/office/drawing/2010/main" val="0"/>
-              </a:ext>
-            </a:extLst>
-          </a:blip>
-          <a:stretch>
-            <a:fillRect/>
-          </a:stretch>
-        </p:blipFill>
-        <p:spPr>
-          <a:xfrm>
-            <a:off x="6015308" y="3001647"/>
-            <a:ext cx="2984313" cy="1856906"/>
-          </a:xfrm>
-          <a:prstGeom prst="rect">
-            <a:avLst/>
-          </a:prstGeom>
-        </p:spPr>
-      </p:pic>
-      <p:pic>
-        <p:nvPicPr>
-          <p:cNvPr id="8" name="Picture 7"/>
+          <p:cNvPr id="5" name="Picture 4"/>
           <p:cNvPicPr>
             <a:picLocks noChangeAspect="1"/>
           </p:cNvPicPr>
@@ -9136,44 +9070,14 @@
         </p:blipFill>
         <p:spPr>
           <a:xfrm>
-            <a:off x="6015308" y="4858553"/>
-            <a:ext cx="2984313" cy="1856905"/>
+            <a:off x="1600247" y="3272588"/>
+            <a:ext cx="5750999" cy="3498601"/>
           </a:xfrm>
           <a:prstGeom prst="rect">
             <a:avLst/>
           </a:prstGeom>
         </p:spPr>
       </p:pic>
-      <p:pic>
-        <p:nvPicPr>
-          <p:cNvPr id="9" name="Picture 8"/>
-          <p:cNvPicPr>
-            <a:picLocks noChangeAspect="1"/>
-          </p:cNvPicPr>
-          <p:nvPr/>
-        </p:nvPicPr>
-        <p:blipFill>
-          <a:blip r:embed="rId4">
-            <a:extLst>
-              <a:ext uri="{28A0092B-C50C-407E-A947-70E740481C1C}">
-                <a14:useLocalDpi xmlns:a14="http://schemas.microsoft.com/office/drawing/2010/main" val="0"/>
-              </a:ext>
-            </a:extLst>
-          </a:blip>
-          <a:stretch>
-            <a:fillRect/>
-          </a:stretch>
-        </p:blipFill>
-        <p:spPr>
-          <a:xfrm>
-            <a:off x="198640" y="3128212"/>
-            <a:ext cx="5332396" cy="3273687"/>
-          </a:xfrm>
-          <a:prstGeom prst="rect">
-            <a:avLst/>
-          </a:prstGeom>
-        </p:spPr>
-      </p:pic>
       <p:sp>
         <p:nvSpPr>
           <p:cNvPr id="4" name="Date Placeholder 3"/>
@@ -9189,7 +9093,7 @@
           <a:bodyPr/>
           <a:lstStyle/>
           <a:p>
-            <a:fld id="{B92B01C8-369C-4ED9-9DA7-8545D43DBD83}" type="datetime1">
+            <a:fld id="{8BD01A7A-C5C0-478A-8BE6-564915217820}" type="datetime1">
               <a:rPr lang="en-US" smtClean="0"/>
               <a:t>12/5/2018</a:t>
             </a:fld>
@@ -9200,7 +9104,7 @@
     </p:spTree>
     <p:extLst>
       <p:ext uri="{BB962C8B-B14F-4D97-AF65-F5344CB8AC3E}">
-        <p14:creationId xmlns:p14="http://schemas.microsoft.com/office/powerpoint/2010/main" val="303004292"/>
+        <p14:creationId xmlns:p14="http://schemas.microsoft.com/office/powerpoint/2010/main" val="1826672569"/>
       </p:ext>
     </p:extLst>
   </p:cSld>
@@ -12384,7 +12288,7 @@
         <p:spPr>
           <a:xfrm>
             <a:off x="4509530" y="2064020"/>
-            <a:ext cx="4417933" cy="1815882"/>
+            <a:ext cx="4417933" cy="2308324"/>
           </a:xfrm>
           <a:prstGeom prst="rect">
             <a:avLst/>
@@ -12402,7 +12306,7 @@
               <a:buChar char="•"/>
             </a:pPr>
             <a:r>
-              <a:rPr lang="en-US" sz="1600" dirty="0"/>
+              <a:rPr lang="en-US" dirty="0"/>
               <a:t>As the initial covariance grows, or as the feedback gains are increased, the chance constrained solution approaches a flat control halfway between the bounds</a:t>
             </a:r>
           </a:p>
@@ -12411,7 +12315,7 @@
               <a:buFont typeface="Arial" panose="020B0604020202020204" pitchFamily="34" charset="0"/>
               <a:buChar char="•"/>
             </a:pPr>
-            <a:endParaRPr lang="en-US" sz="1600" dirty="0"/>
+            <a:endParaRPr lang="en-US" dirty="0"/>
           </a:p>
           <a:p>
             <a:pPr marL="285750" indent="-285750">
@@ -12419,7 +12323,7 @@
               <a:buChar char="•"/>
             </a:pPr>
             <a:r>
-              <a:rPr lang="en-US" sz="1600" dirty="0"/>
+              <a:rPr lang="en-US" dirty="0"/>
               <a:t>This offers maximal margin but degrades mean performance in favor of covariance reduction</a:t>
             </a:r>
           </a:p>
@@ -13342,9 +13246,10 @@
           <a:lstStyle/>
           <a:p>
             <a:r>
-              <a:rPr lang="en-US" dirty="0"/>
-              <a:t>Roadmap</a:t>
-            </a:r>
+              <a:rPr lang="en-US" dirty="0" smtClean="0"/>
+              <a:t>Roadmap: Work to Go </a:t>
+            </a:r>
+            <a:endParaRPr lang="en-US" dirty="0"/>
           </a:p>
         </p:txBody>
       </p:sp>
@@ -13540,8 +13445,18 @@
           <a:lstStyle/>
           <a:p>
             <a:r>
+              <a:rPr lang="en-US" sz="2400" dirty="0" smtClean="0"/>
+              <a:t>Future missions will require advances in EDL guidance</a:t>
+            </a:r>
+          </a:p>
+          <a:p>
+            <a:r>
+              <a:rPr lang="en-US" sz="2400" dirty="0" smtClean="0"/>
+              <a:t>Improved </a:t>
+            </a:r>
+            <a:r>
               <a:rPr lang="en-US" sz="2400" dirty="0"/>
-              <a:t>Improved solution methodology for offline entry trajectory planning</a:t>
+              <a:t>solution methodology for offline entry trajectory planning</a:t>
             </a:r>
           </a:p>
           <a:p>
@@ -17328,6 +17243,216 @@
 </file>
 
 <file path=ppt/slides/slide53.xml><?xml version="1.0" encoding="utf-8"?>
+<p:sld xmlns:a="http://schemas.openxmlformats.org/drawingml/2006/main" xmlns:r="http://schemas.openxmlformats.org/officeDocument/2006/relationships" xmlns:p="http://schemas.openxmlformats.org/presentationml/2006/main">
+  <p:cSld>
+    <p:spTree>
+      <p:nvGrpSpPr>
+        <p:cNvPr id="1" name=""/>
+        <p:cNvGrpSpPr/>
+        <p:nvPr/>
+      </p:nvGrpSpPr>
+      <p:grpSpPr>
+        <a:xfrm>
+          <a:off x="0" y="0"/>
+          <a:ext cx="0" cy="0"/>
+          <a:chOff x="0" y="0"/>
+          <a:chExt cx="0" cy="0"/>
+        </a:xfrm>
+      </p:grpSpPr>
+      <p:sp>
+        <p:nvSpPr>
+          <p:cNvPr id="2" name="Title 1"/>
+          <p:cNvSpPr>
+            <a:spLocks noGrp="1"/>
+          </p:cNvSpPr>
+          <p:nvPr>
+            <p:ph type="title"/>
+          </p:nvPr>
+        </p:nvSpPr>
+        <p:spPr>
+          <a:xfrm>
+            <a:off x="628649" y="964938"/>
+            <a:ext cx="8370972" cy="611532"/>
+          </a:xfrm>
+        </p:spPr>
+        <p:txBody>
+          <a:bodyPr/>
+          <a:lstStyle/>
+          <a:p>
+            <a:r>
+              <a:rPr lang="en-US" dirty="0"/>
+              <a:t>MCS Results – Altitude/Velocity</a:t>
+            </a:r>
+          </a:p>
+        </p:txBody>
+      </p:sp>
+      <p:sp>
+        <p:nvSpPr>
+          <p:cNvPr id="3" name="Content Placeholder 2"/>
+          <p:cNvSpPr>
+            <a:spLocks noGrp="1"/>
+          </p:cNvSpPr>
+          <p:nvPr>
+            <p:ph idx="1"/>
+          </p:nvPr>
+        </p:nvSpPr>
+        <p:spPr>
+          <a:xfrm>
+            <a:off x="628649" y="1690690"/>
+            <a:ext cx="7886700" cy="1437522"/>
+          </a:xfrm>
+        </p:spPr>
+        <p:txBody>
+          <a:bodyPr/>
+          <a:lstStyle/>
+          <a:p>
+            <a:r>
+              <a:rPr lang="en-US" sz="2400" dirty="0"/>
+              <a:t>Although some trajectories exit the parachute deployment conditions, all but three pass through the box</a:t>
+            </a:r>
+          </a:p>
+          <a:p>
+            <a:pPr lvl="1"/>
+            <a:r>
+              <a:rPr lang="en-US" sz="2000" dirty="0"/>
+              <a:t>Solved by considering triggering logic that explicitly accounts for parachute conditions </a:t>
+            </a:r>
+          </a:p>
+          <a:p>
+            <a:pPr marL="0" indent="0">
+              <a:buNone/>
+            </a:pPr>
+            <a:endParaRPr lang="en-US" dirty="0"/>
+          </a:p>
+        </p:txBody>
+      </p:sp>
+      <p:pic>
+        <p:nvPicPr>
+          <p:cNvPr id="7" name="Picture 6"/>
+          <p:cNvPicPr>
+            <a:picLocks noChangeAspect="1"/>
+          </p:cNvPicPr>
+          <p:nvPr/>
+        </p:nvPicPr>
+        <p:blipFill>
+          <a:blip r:embed="rId2">
+            <a:extLst>
+              <a:ext uri="{28A0092B-C50C-407E-A947-70E740481C1C}">
+                <a14:useLocalDpi xmlns:a14="http://schemas.microsoft.com/office/drawing/2010/main" val="0"/>
+              </a:ext>
+            </a:extLst>
+          </a:blip>
+          <a:stretch>
+            <a:fillRect/>
+          </a:stretch>
+        </p:blipFill>
+        <p:spPr>
+          <a:xfrm>
+            <a:off x="6015308" y="3001647"/>
+            <a:ext cx="2984313" cy="1856906"/>
+          </a:xfrm>
+          <a:prstGeom prst="rect">
+            <a:avLst/>
+          </a:prstGeom>
+        </p:spPr>
+      </p:pic>
+      <p:pic>
+        <p:nvPicPr>
+          <p:cNvPr id="8" name="Picture 7"/>
+          <p:cNvPicPr>
+            <a:picLocks noChangeAspect="1"/>
+          </p:cNvPicPr>
+          <p:nvPr/>
+        </p:nvPicPr>
+        <p:blipFill>
+          <a:blip r:embed="rId3">
+            <a:extLst>
+              <a:ext uri="{28A0092B-C50C-407E-A947-70E740481C1C}">
+                <a14:useLocalDpi xmlns:a14="http://schemas.microsoft.com/office/drawing/2010/main" val="0"/>
+              </a:ext>
+            </a:extLst>
+          </a:blip>
+          <a:stretch>
+            <a:fillRect/>
+          </a:stretch>
+        </p:blipFill>
+        <p:spPr>
+          <a:xfrm>
+            <a:off x="6015308" y="4858553"/>
+            <a:ext cx="2984313" cy="1856905"/>
+          </a:xfrm>
+          <a:prstGeom prst="rect">
+            <a:avLst/>
+          </a:prstGeom>
+        </p:spPr>
+      </p:pic>
+      <p:pic>
+        <p:nvPicPr>
+          <p:cNvPr id="9" name="Picture 8"/>
+          <p:cNvPicPr>
+            <a:picLocks noChangeAspect="1"/>
+          </p:cNvPicPr>
+          <p:nvPr/>
+        </p:nvPicPr>
+        <p:blipFill>
+          <a:blip r:embed="rId4">
+            <a:extLst>
+              <a:ext uri="{28A0092B-C50C-407E-A947-70E740481C1C}">
+                <a14:useLocalDpi xmlns:a14="http://schemas.microsoft.com/office/drawing/2010/main" val="0"/>
+              </a:ext>
+            </a:extLst>
+          </a:blip>
+          <a:stretch>
+            <a:fillRect/>
+          </a:stretch>
+        </p:blipFill>
+        <p:spPr>
+          <a:xfrm>
+            <a:off x="198640" y="3128212"/>
+            <a:ext cx="5332396" cy="3273687"/>
+          </a:xfrm>
+          <a:prstGeom prst="rect">
+            <a:avLst/>
+          </a:prstGeom>
+        </p:spPr>
+      </p:pic>
+      <p:sp>
+        <p:nvSpPr>
+          <p:cNvPr id="4" name="Date Placeholder 3"/>
+          <p:cNvSpPr>
+            <a:spLocks noGrp="1"/>
+          </p:cNvSpPr>
+          <p:nvPr>
+            <p:ph type="dt" sz="half" idx="10"/>
+          </p:nvPr>
+        </p:nvSpPr>
+        <p:spPr/>
+        <p:txBody>
+          <a:bodyPr/>
+          <a:lstStyle/>
+          <a:p>
+            <a:fld id="{B92B01C8-369C-4ED9-9DA7-8545D43DBD83}" type="datetime1">
+              <a:rPr lang="en-US" smtClean="0"/>
+              <a:t>12/5/2018</a:t>
+            </a:fld>
+            <a:endParaRPr lang="en-US"/>
+          </a:p>
+        </p:txBody>
+      </p:sp>
+    </p:spTree>
+    <p:extLst>
+      <p:ext uri="{BB962C8B-B14F-4D97-AF65-F5344CB8AC3E}">
+        <p14:creationId xmlns:p14="http://schemas.microsoft.com/office/powerpoint/2010/main" val="561878614"/>
+      </p:ext>
+    </p:extLst>
+  </p:cSld>
+  <p:clrMapOvr>
+    <a:masterClrMapping/>
+  </p:clrMapOvr>
+</p:sld>
+</file>
+
+<file path=ppt/slides/slide54.xml><?xml version="1.0" encoding="utf-8"?>
 <p:sld xmlns:a="http://schemas.openxmlformats.org/drawingml/2006/main" xmlns:r="http://schemas.openxmlformats.org/officeDocument/2006/relationships" xmlns:p="http://schemas.openxmlformats.org/presentationml/2006/main">
   <p:cSld>
     <p:spTree>
